--- a/CFS Azure Native Developer Training.pptx
+++ b/CFS Azure Native Developer Training.pptx
@@ -172,7 +172,7 @@
 <file path=ppt/revisionInfo.xml><?xml version="1.0" encoding="utf-8"?>
 <p1510:revInfo xmlns:a="http://schemas.openxmlformats.org/drawingml/2006/main" xmlns:r="http://schemas.openxmlformats.org/officeDocument/2006/relationships" xmlns:p1510="http://schemas.microsoft.com/office/powerpoint/2015/10/main">
   <p1510:revLst>
-    <p1510:client id="{FD5A7601-8F1F-4E8C-A98D-ED4B80700CCC}" v="43" dt="2021-09-22T15:59:51.708"/>
+    <p1510:client id="{FD5A7601-8F1F-4E8C-A98D-ED4B80700CCC}" v="58" dt="2021-09-22T19:26:38.324"/>
   </p1510:revLst>
 </p1510:revInfo>
 </file>
@@ -182,7 +182,7 @@
   <pc:docChgLst>
     <pc:chgData name="Mistry, Pranav (External)" userId="d5719382-556e-4a00-a648-cc6b6c70c351" providerId="ADAL" clId="{FD5A7601-8F1F-4E8C-A98D-ED4B80700CCC}"/>
     <pc:docChg chg="undo custSel addSld delSld modSld modMainMaster">
-      <pc:chgData name="Mistry, Pranav (External)" userId="d5719382-556e-4a00-a648-cc6b6c70c351" providerId="ADAL" clId="{FD5A7601-8F1F-4E8C-A98D-ED4B80700CCC}" dt="2021-09-22T16:00:05.461" v="3634" actId="1076"/>
+      <pc:chgData name="Mistry, Pranav (External)" userId="d5719382-556e-4a00-a648-cc6b6c70c351" providerId="ADAL" clId="{FD5A7601-8F1F-4E8C-A98D-ED4B80700CCC}" dt="2021-09-22T19:26:55.052" v="4289" actId="1076"/>
       <pc:docMkLst>
         <pc:docMk/>
       </pc:docMkLst>
@@ -366,7 +366,7 @@
         </pc:picChg>
       </pc:sldChg>
       <pc:sldChg chg="addSp delSp modSp add mod modAnim">
-        <pc:chgData name="Mistry, Pranav (External)" userId="d5719382-556e-4a00-a648-cc6b6c70c351" providerId="ADAL" clId="{FD5A7601-8F1F-4E8C-A98D-ED4B80700CCC}" dt="2021-09-22T14:56:30.460" v="3213" actId="1076"/>
+        <pc:chgData name="Mistry, Pranav (External)" userId="d5719382-556e-4a00-a648-cc6b6c70c351" providerId="ADAL" clId="{FD5A7601-8F1F-4E8C-A98D-ED4B80700CCC}" dt="2021-09-22T19:17:40.904" v="4121" actId="20577"/>
         <pc:sldMkLst>
           <pc:docMk/>
           <pc:sldMk cId="3882846345" sldId="345"/>
@@ -380,7 +380,7 @@
           </ac:spMkLst>
         </pc:spChg>
         <pc:spChg chg="mod">
-          <ac:chgData name="Mistry, Pranav (External)" userId="d5719382-556e-4a00-a648-cc6b6c70c351" providerId="ADAL" clId="{FD5A7601-8F1F-4E8C-A98D-ED4B80700CCC}" dt="2021-09-22T14:33:06.061" v="2619" actId="5793"/>
+          <ac:chgData name="Mistry, Pranav (External)" userId="d5719382-556e-4a00-a648-cc6b6c70c351" providerId="ADAL" clId="{FD5A7601-8F1F-4E8C-A98D-ED4B80700CCC}" dt="2021-09-22T19:17:40.904" v="4121" actId="20577"/>
           <ac:spMkLst>
             <pc:docMk/>
             <pc:sldMk cId="3882846345" sldId="345"/>
@@ -396,23 +396,39 @@
           </ac:picMkLst>
         </pc:picChg>
       </pc:sldChg>
-      <pc:sldChg chg="modSp add mod">
-        <pc:chgData name="Mistry, Pranav (External)" userId="d5719382-556e-4a00-a648-cc6b6c70c351" providerId="ADAL" clId="{FD5A7601-8F1F-4E8C-A98D-ED4B80700CCC}" dt="2021-09-22T15:52:37.147" v="3520" actId="20577"/>
+      <pc:sldChg chg="addSp delSp modSp add mod">
+        <pc:chgData name="Mistry, Pranav (External)" userId="d5719382-556e-4a00-a648-cc6b6c70c351" providerId="ADAL" clId="{FD5A7601-8F1F-4E8C-A98D-ED4B80700CCC}" dt="2021-09-22T19:21:46.082" v="4187" actId="20577"/>
         <pc:sldMkLst>
           <pc:docMk/>
           <pc:sldMk cId="875874309" sldId="346"/>
         </pc:sldMkLst>
+        <pc:spChg chg="add del mod">
+          <ac:chgData name="Mistry, Pranav (External)" userId="d5719382-556e-4a00-a648-cc6b6c70c351" providerId="ADAL" clId="{FD5A7601-8F1F-4E8C-A98D-ED4B80700CCC}" dt="2021-09-22T19:20:36.635" v="4140" actId="478"/>
+          <ac:spMkLst>
+            <pc:docMk/>
+            <pc:sldMk cId="875874309" sldId="346"/>
+            <ac:spMk id="4" creationId="{B7792EC8-4399-4A93-A80E-5000B227D961}"/>
+          </ac:spMkLst>
+        </pc:spChg>
         <pc:spChg chg="mod">
-          <ac:chgData name="Mistry, Pranav (External)" userId="d5719382-556e-4a00-a648-cc6b6c70c351" providerId="ADAL" clId="{FD5A7601-8F1F-4E8C-A98D-ED4B80700CCC}" dt="2021-09-22T15:52:37.147" v="3520" actId="20577"/>
+          <ac:chgData name="Mistry, Pranav (External)" userId="d5719382-556e-4a00-a648-cc6b6c70c351" providerId="ADAL" clId="{FD5A7601-8F1F-4E8C-A98D-ED4B80700CCC}" dt="2021-09-22T19:21:46.082" v="4187" actId="20577"/>
           <ac:spMkLst>
             <pc:docMk/>
             <pc:sldMk cId="875874309" sldId="346"/>
             <ac:spMk id="6" creationId="{0CC2AD0A-02CE-4333-921B-1D29EA4E8F98}"/>
           </ac:spMkLst>
         </pc:spChg>
+        <pc:picChg chg="add del mod">
+          <ac:chgData name="Mistry, Pranav (External)" userId="d5719382-556e-4a00-a648-cc6b6c70c351" providerId="ADAL" clId="{FD5A7601-8F1F-4E8C-A98D-ED4B80700CCC}" dt="2021-09-22T19:20:54.089" v="4154" actId="1076"/>
+          <ac:picMkLst>
+            <pc:docMk/>
+            <pc:sldMk cId="875874309" sldId="346"/>
+            <ac:picMk id="3" creationId="{133DBF27-3FD2-4692-B906-0A09FB3AC17A}"/>
+          </ac:picMkLst>
+        </pc:picChg>
       </pc:sldChg>
       <pc:sldChg chg="addSp delSp modSp add mod setBg addAnim delAnim setClrOvrMap">
-        <pc:chgData name="Mistry, Pranav (External)" userId="d5719382-556e-4a00-a648-cc6b6c70c351" providerId="ADAL" clId="{FD5A7601-8F1F-4E8C-A98D-ED4B80700CCC}" dt="2021-09-22T16:00:05.461" v="3634" actId="1076"/>
+        <pc:chgData name="Mistry, Pranav (External)" userId="d5719382-556e-4a00-a648-cc6b6c70c351" providerId="ADAL" clId="{FD5A7601-8F1F-4E8C-A98D-ED4B80700CCC}" dt="2021-09-22T19:26:55.052" v="4289" actId="1076"/>
         <pc:sldMkLst>
           <pc:docMk/>
           <pc:sldMk cId="126411394" sldId="347"/>
@@ -426,7 +442,7 @@
           </ac:spMkLst>
         </pc:spChg>
         <pc:spChg chg="mod ord">
-          <ac:chgData name="Mistry, Pranav (External)" userId="d5719382-556e-4a00-a648-cc6b6c70c351" providerId="ADAL" clId="{FD5A7601-8F1F-4E8C-A98D-ED4B80700CCC}" dt="2021-09-22T16:00:05.461" v="3634" actId="1076"/>
+          <ac:chgData name="Mistry, Pranav (External)" userId="d5719382-556e-4a00-a648-cc6b6c70c351" providerId="ADAL" clId="{FD5A7601-8F1F-4E8C-A98D-ED4B80700CCC}" dt="2021-09-22T19:26:55.052" v="4289" actId="1076"/>
           <ac:spMkLst>
             <pc:docMk/>
             <pc:sldMk cId="126411394" sldId="347"/>
@@ -721,8 +737,8 @@
             <ac:picMk id="13" creationId="{92F7350A-2429-4359-86DF-9DA2153A3964}"/>
           </ac:picMkLst>
         </pc:picChg>
-        <pc:picChg chg="add mod">
-          <ac:chgData name="Mistry, Pranav (External)" userId="d5719382-556e-4a00-a648-cc6b6c70c351" providerId="ADAL" clId="{FD5A7601-8F1F-4E8C-A98D-ED4B80700CCC}" dt="2021-09-22T15:59:57.078" v="3633" actId="14100"/>
+        <pc:picChg chg="add mod modCrop">
+          <ac:chgData name="Mistry, Pranav (External)" userId="d5719382-556e-4a00-a648-cc6b6c70c351" providerId="ADAL" clId="{FD5A7601-8F1F-4E8C-A98D-ED4B80700CCC}" dt="2021-09-22T19:24:47.910" v="4275" actId="1038"/>
           <ac:picMkLst>
             <pc:docMk/>
             <pc:sldMk cId="126411394" sldId="347"/>
@@ -731,13 +747,13 @@
         </pc:picChg>
       </pc:sldChg>
       <pc:sldChg chg="addSp delSp modSp add mod delAnim modAnim">
-        <pc:chgData name="Mistry, Pranav (External)" userId="d5719382-556e-4a00-a648-cc6b6c70c351" providerId="ADAL" clId="{FD5A7601-8F1F-4E8C-A98D-ED4B80700CCC}" dt="2021-09-22T15:02:47.434" v="3334"/>
+        <pc:chgData name="Mistry, Pranav (External)" userId="d5719382-556e-4a00-a648-cc6b6c70c351" providerId="ADAL" clId="{FD5A7601-8F1F-4E8C-A98D-ED4B80700CCC}" dt="2021-09-22T19:12:03.141" v="3637" actId="20577"/>
         <pc:sldMkLst>
           <pc:docMk/>
           <pc:sldMk cId="1275271518" sldId="348"/>
         </pc:sldMkLst>
         <pc:spChg chg="mod">
-          <ac:chgData name="Mistry, Pranav (External)" userId="d5719382-556e-4a00-a648-cc6b6c70c351" providerId="ADAL" clId="{FD5A7601-8F1F-4E8C-A98D-ED4B80700CCC}" dt="2021-09-22T15:02:22.073" v="3332" actId="313"/>
+          <ac:chgData name="Mistry, Pranav (External)" userId="d5719382-556e-4a00-a648-cc6b6c70c351" providerId="ADAL" clId="{FD5A7601-8F1F-4E8C-A98D-ED4B80700CCC}" dt="2021-09-22T19:12:03.141" v="3637" actId="20577"/>
           <ac:spMkLst>
             <pc:docMk/>
             <pc:sldMk cId="1275271518" sldId="348"/>
@@ -1183,7 +1199,7 @@
           <a:p>
             <a:fld id="{A9537C3C-A511-4695-A2D5-8D5EBB18CE89}" type="datetimeFigureOut">
               <a:rPr lang="en-US" smtClean="0"/>
-              <a:t>22-Sep-21</a:t>
+              <a:t>23-Sep-21</a:t>
             </a:fld>
             <a:endParaRPr lang="en-US"/>
           </a:p>
@@ -1375,7 +1391,7 @@
               <a:pPr>
                 <a:defRPr/>
               </a:pPr>
-              <a:t>22-Sep-21</a:t>
+              <a:t>23-Sep-21</a:t>
             </a:fld>
             <a:endParaRPr lang="en-US" dirty="0"/>
           </a:p>
@@ -2685,7 +2701,7 @@
           <a:p>
             <a:fld id="{4AAD347D-5ACD-4C99-B74B-A9C85AD731AF}" type="datetimeFigureOut">
               <a:rPr lang="en-US" smtClean="0"/>
-              <a:t>22-Sep-21</a:t>
+              <a:t>23-Sep-21</a:t>
             </a:fld>
             <a:endParaRPr lang="en-US" dirty="0"/>
           </a:p>
@@ -2883,7 +2899,7 @@
           <a:p>
             <a:fld id="{4509A250-FF31-4206-8172-F9D3106AACB1}" type="datetimeFigureOut">
               <a:rPr lang="en-US" smtClean="0"/>
-              <a:t>22-Sep-21</a:t>
+              <a:t>23-Sep-21</a:t>
             </a:fld>
             <a:endParaRPr lang="en-US" dirty="0"/>
           </a:p>
@@ -3091,7 +3107,7 @@
           <a:p>
             <a:fld id="{4509A250-FF31-4206-8172-F9D3106AACB1}" type="datetimeFigureOut">
               <a:rPr lang="en-US" smtClean="0"/>
-              <a:t>22-Sep-21</a:t>
+              <a:t>23-Sep-21</a:t>
             </a:fld>
             <a:endParaRPr lang="en-US" dirty="0"/>
           </a:p>
@@ -7163,7 +7179,7 @@
           <a:p>
             <a:fld id="{4509A250-FF31-4206-8172-F9D3106AACB1}" type="datetimeFigureOut">
               <a:rPr lang="en-US" smtClean="0"/>
-              <a:t>22-Sep-21</a:t>
+              <a:t>23-Sep-21</a:t>
             </a:fld>
             <a:endParaRPr lang="en-US" dirty="0"/>
           </a:p>
@@ -8869,7 +8885,7 @@
           <a:p>
             <a:fld id="{9796027F-7875-4030-9381-8BD8C4F21935}" type="datetimeFigureOut">
               <a:rPr lang="en-US" smtClean="0"/>
-              <a:t>22-Sep-21</a:t>
+              <a:t>23-Sep-21</a:t>
             </a:fld>
             <a:endParaRPr lang="en-US" dirty="0"/>
           </a:p>
@@ -9134,7 +9150,7 @@
           <a:p>
             <a:fld id="{9796027F-7875-4030-9381-8BD8C4F21935}" type="datetimeFigureOut">
               <a:rPr lang="en-US" smtClean="0"/>
-              <a:t>22-Sep-21</a:t>
+              <a:t>23-Sep-21</a:t>
             </a:fld>
             <a:endParaRPr lang="en-US" dirty="0"/>
           </a:p>
@@ -9546,7 +9562,7 @@
           <a:p>
             <a:fld id="{9796027F-7875-4030-9381-8BD8C4F21935}" type="datetimeFigureOut">
               <a:rPr lang="en-US" smtClean="0"/>
-              <a:t>22-Sep-21</a:t>
+              <a:t>23-Sep-21</a:t>
             </a:fld>
             <a:endParaRPr lang="en-US" dirty="0"/>
           </a:p>
@@ -9687,7 +9703,7 @@
           <a:p>
             <a:fld id="{4509A250-FF31-4206-8172-F9D3106AACB1}" type="datetimeFigureOut">
               <a:rPr lang="en-US" smtClean="0"/>
-              <a:t>22-Sep-21</a:t>
+              <a:t>23-Sep-21</a:t>
             </a:fld>
             <a:endParaRPr lang="en-US" dirty="0"/>
           </a:p>
@@ -9800,7 +9816,7 @@
           <a:p>
             <a:fld id="{4509A250-FF31-4206-8172-F9D3106AACB1}" type="datetimeFigureOut">
               <a:rPr lang="en-US" smtClean="0"/>
-              <a:t>22-Sep-21</a:t>
+              <a:t>23-Sep-21</a:t>
             </a:fld>
             <a:endParaRPr lang="en-US" dirty="0"/>
           </a:p>
@@ -10111,7 +10127,7 @@
           <a:p>
             <a:fld id="{4509A250-FF31-4206-8172-F9D3106AACB1}" type="datetimeFigureOut">
               <a:rPr lang="en-US" smtClean="0"/>
-              <a:t>22-Sep-21</a:t>
+              <a:t>23-Sep-21</a:t>
             </a:fld>
             <a:endParaRPr lang="en-US" dirty="0"/>
           </a:p>
@@ -10399,7 +10415,7 @@
           <a:p>
             <a:fld id="{4509A250-FF31-4206-8172-F9D3106AACB1}" type="datetimeFigureOut">
               <a:rPr lang="en-US" smtClean="0"/>
-              <a:t>22-Sep-21</a:t>
+              <a:t>23-Sep-21</a:t>
             </a:fld>
             <a:endParaRPr lang="en-US" dirty="0"/>
           </a:p>
@@ -10640,7 +10656,7 @@
           <a:p>
             <a:fld id="{4AAD347D-5ACD-4C99-B74B-A9C85AD731AF}" type="datetimeFigureOut">
               <a:rPr lang="en-US" smtClean="0"/>
-              <a:t>22-Sep-21</a:t>
+              <a:t>23-Sep-21</a:t>
             </a:fld>
             <a:endParaRPr lang="en-US" dirty="0"/>
           </a:p>
@@ -11660,16 +11676,15 @@
           </p:cNvPicPr>
           <p:nvPr/>
         </p:nvPicPr>
-        <p:blipFill>
+        <p:blipFill rotWithShape="1">
           <a:blip r:embed="rId2"/>
-          <a:stretch>
-            <a:fillRect/>
-          </a:stretch>
+          <a:srcRect r="3272"/>
+          <a:stretch/>
         </p:blipFill>
         <p:spPr>
           <a:xfrm>
-            <a:off x="689113" y="62134"/>
-            <a:ext cx="11015207" cy="6795866"/>
+            <a:off x="1510738" y="141646"/>
+            <a:ext cx="10654756" cy="6716354"/>
           </a:xfrm>
           <a:prstGeom prst="rect">
             <a:avLst/>
@@ -11694,24 +11709,18 @@
         </p:nvSpPr>
         <p:spPr>
           <a:xfrm>
-            <a:off x="9661040" y="4851721"/>
-            <a:ext cx="2043280" cy="1815977"/>
+            <a:off x="979429" y="344556"/>
+            <a:ext cx="1458971" cy="1336195"/>
           </a:xfrm>
           <a:prstGeom prst="ellipse">
             <a:avLst/>
           </a:prstGeom>
           <a:solidFill>
-            <a:schemeClr val="accent5">
-              <a:lumMod val="40000"/>
-              <a:lumOff val="60000"/>
-            </a:schemeClr>
+            <a:srgbClr val="A7A9AC"/>
           </a:solidFill>
           <a:ln w="174625" cmpd="thinThick">
             <a:solidFill>
-              <a:schemeClr val="accent5">
-                <a:lumMod val="60000"/>
-                <a:lumOff val="40000"/>
-              </a:schemeClr>
+              <a:srgbClr val="E51937"/>
             </a:solidFill>
           </a:ln>
         </p:spPr>
@@ -11723,9 +11732,12 @@
           <a:p>
             <a:pPr algn="ctr"/>
             <a:r>
-              <a:rPr lang="en-US" sz="2200" dirty="0">
+              <a:rPr lang="en-US" sz="1400" dirty="0">
                 <a:solidFill>
-                  <a:srgbClr val="262626"/>
+                  <a:schemeClr val="tx1">
+                    <a:lumMod val="85000"/>
+                    <a:lumOff val="15000"/>
+                  </a:schemeClr>
                 </a:solidFill>
                 <a:latin typeface="+mj-lt"/>
                 <a:cs typeface="+mj-cs"/>
@@ -12277,13 +12289,13 @@
   <p:clrMapOvr>
     <a:masterClrMapping/>
   </p:clrMapOvr>
-  <mc:AlternateContent xmlns:mc="http://schemas.openxmlformats.org/markup-compatibility/2006">
-    <mc:Choice xmlns:p159="http://schemas.microsoft.com/office/powerpoint/2015/09/main" Requires="p159">
+  <mc:AlternateContent xmlns:mc="http://schemas.openxmlformats.org/markup-compatibility/2006" xmlns:p159="http://schemas.microsoft.com/office/powerpoint/2015/09/main">
+    <mc:Choice Requires="p159">
       <p:transition xmlns:p14="http://schemas.microsoft.com/office/powerpoint/2010/main" spd="slow" p14:dur="2000">
         <p159:morph option="byObject"/>
       </p:transition>
     </mc:Choice>
-    <mc:Fallback>
+    <mc:Fallback xmlns="">
       <p:transition spd="slow">
         <p:fade/>
       </p:transition>
@@ -13082,7 +13094,7 @@
         <p:spPr>
           <a:xfrm>
             <a:off x="795130" y="861392"/>
-            <a:ext cx="10601739" cy="3785652"/>
+            <a:ext cx="10601739" cy="5324535"/>
           </a:xfrm>
           <a:prstGeom prst="rect">
             <a:avLst/>
@@ -13116,24 +13128,28 @@
               <a:buChar char="•"/>
             </a:pPr>
             <a:r>
+              <a:rPr lang="en-US" sz="2000" b="1" dirty="0"/>
+              <a:t>Azure Queue Storage Trigger</a:t>
+            </a:r>
+            <a:r>
               <a:rPr lang="en-US" sz="2000" dirty="0"/>
-              <a:t>Azure Logic App: Develop </a:t>
+              <a:t>: When new complaint received in </a:t>
             </a:r>
             <a:r>
               <a:rPr lang="en-US" sz="2000" b="1" dirty="0"/>
-              <a:t>Azure Logic App </a:t>
+              <a:t>Queue Storage</a:t>
             </a:r>
             <a:r>
               <a:rPr lang="en-US" sz="2000" dirty="0"/>
-              <a:t>to send Email once (complaint) message received in </a:t>
+              <a:t> trigger Queue Storage Function and update </a:t>
             </a:r>
             <a:r>
               <a:rPr lang="en-US" sz="2000" b="1" dirty="0"/>
-              <a:t>Azure Queue Storage</a:t>
+              <a:t>Cosmos DB</a:t>
             </a:r>
             <a:r>
               <a:rPr lang="en-US" sz="2000" dirty="0"/>
-              <a:t>.</a:t>
+              <a:t> collection by updating complaint count. </a:t>
             </a:r>
           </a:p>
           <a:p>
@@ -13143,7 +13159,15 @@
             </a:pPr>
             <a:r>
               <a:rPr lang="en-US" sz="2000" dirty="0"/>
-              <a:t>Create Azure Logic App.</a:t>
+              <a:t>Create </a:t>
+            </a:r>
+            <a:r>
+              <a:rPr lang="en-US" sz="2000" b="1" dirty="0"/>
+              <a:t>Azure Queue Storage Trigger Function</a:t>
+            </a:r>
+            <a:r>
+              <a:rPr lang="en-US" sz="2000" dirty="0"/>
+              <a:t>.</a:t>
             </a:r>
           </a:p>
           <a:p>
@@ -13153,7 +13177,7 @@
             </a:pPr>
             <a:r>
               <a:rPr lang="en-US" sz="2000" dirty="0"/>
-              <a:t>Add workflow which included Queue Storage trigger with its Application Key and settings.</a:t>
+              <a:t>Add connection to Storage Queue so that function can get triggered value.</a:t>
             </a:r>
           </a:p>
           <a:p>
@@ -13163,7 +13187,15 @@
             </a:pPr>
             <a:r>
               <a:rPr lang="en-US" sz="2000" dirty="0"/>
-              <a:t>Add action to send Email with option which includes received message details like ID, Message content etc.. In Email body.</a:t>
+              <a:t>Add connection to </a:t>
+            </a:r>
+            <a:r>
+              <a:rPr lang="en-US" sz="2000" dirty="0" err="1"/>
+              <a:t>CosmosDB</a:t>
+            </a:r>
+            <a:r>
+              <a:rPr lang="en-US" sz="2000" dirty="0"/>
+              <a:t> collection to update complaint count.</a:t>
             </a:r>
           </a:p>
           <a:p>
@@ -13173,32 +13205,90 @@
             </a:pPr>
             <a:r>
               <a:rPr lang="en-US" sz="2000" dirty="0"/>
-              <a:t>After sending Email add action to delete received message from Storage Queue.</a:t>
-            </a:r>
-          </a:p>
-          <a:p>
-            <a:pPr marL="514350" indent="-514350">
+              <a:t>Add code to read message value, search  record in </a:t>
+            </a:r>
+            <a:r>
+              <a:rPr lang="en-US" sz="2000" dirty="0" err="1"/>
+              <a:t>CosmosDB</a:t>
+            </a:r>
+            <a:r>
+              <a:rPr lang="en-US" sz="2000" dirty="0"/>
+              <a:t> and update complaint count for that product id.</a:t>
+            </a:r>
+          </a:p>
+          <a:p>
+            <a:pPr marL="342900" indent="-342900">
+              <a:buFont typeface="Arial" panose="020B0604020202020204" pitchFamily="34" charset="0"/>
+              <a:buChar char="•"/>
+            </a:pPr>
+            <a:endParaRPr lang="en-US" sz="2000" dirty="0"/>
+          </a:p>
+          <a:p>
+            <a:pPr marL="342900" indent="-342900">
+              <a:buFont typeface="Arial" panose="020B0604020202020204" pitchFamily="34" charset="0"/>
+              <a:buChar char="•"/>
+            </a:pPr>
+            <a:r>
+              <a:rPr lang="en-US" sz="2000" dirty="0"/>
+              <a:t>Azure Logic App: Develop </a:t>
+            </a:r>
+            <a:r>
+              <a:rPr lang="en-US" sz="2000" b="1" dirty="0"/>
+              <a:t>Azure Logic App </a:t>
+            </a:r>
+            <a:r>
+              <a:rPr lang="en-US" sz="2000" dirty="0"/>
+              <a:t>to send Email once (complaint) message received in </a:t>
+            </a:r>
+            <a:r>
+              <a:rPr lang="en-US" sz="2000" b="1" dirty="0"/>
+              <a:t>Azure Queue Storage</a:t>
+            </a:r>
+            <a:r>
+              <a:rPr lang="en-US" sz="2000" dirty="0"/>
+              <a:t>.</a:t>
+            </a:r>
+          </a:p>
+          <a:p>
+            <a:pPr marL="971550" lvl="1" indent="-514350">
               <a:buFont typeface="+mj-lt"/>
               <a:buAutoNum type="romanLcPeriod"/>
             </a:pPr>
+            <a:r>
+              <a:rPr lang="en-US" sz="2000" dirty="0"/>
+              <a:t>Create Azure Logic App.</a:t>
+            </a:r>
+          </a:p>
+          <a:p>
+            <a:pPr marL="971550" lvl="1" indent="-514350">
+              <a:buFont typeface="+mj-lt"/>
+              <a:buAutoNum type="romanLcPeriod"/>
+            </a:pPr>
+            <a:r>
+              <a:rPr lang="en-US" sz="2000" dirty="0"/>
+              <a:t>Add workflow which included Queue Storage trigger with its Application Key and settings.</a:t>
+            </a:r>
+          </a:p>
+          <a:p>
+            <a:pPr marL="971550" lvl="1" indent="-514350">
+              <a:buFont typeface="+mj-lt"/>
+              <a:buAutoNum type="romanLcPeriod"/>
+            </a:pPr>
+            <a:r>
+              <a:rPr lang="en-US" sz="2000" dirty="0"/>
+              <a:t>Add action to send Email with option which includes received message details like ID, Message content etc.. In Email body.</a:t>
+            </a:r>
+          </a:p>
+          <a:p>
+            <a:pPr marL="971550" lvl="1" indent="-514350">
+              <a:buFont typeface="+mj-lt"/>
+              <a:buAutoNum type="romanLcPeriod"/>
+            </a:pPr>
+            <a:r>
+              <a:rPr lang="en-US" sz="2000" dirty="0"/>
+              <a:t>After sending Email add action to delete received message from Storage Queue.</a:t>
+            </a:r>
             <a:endParaRPr lang="en-US" sz="2000" b="1" dirty="0"/>
-          </a:p>
-          <a:p>
-            <a:r>
-              <a:rPr lang="en-US" sz="2000" b="1" dirty="0"/>
-              <a:t>			</a:t>
-            </a:r>
-          </a:p>
-          <a:p>
-            <a:r>
-              <a:rPr lang="en-US" sz="2000" b="1" dirty="0"/>
-              <a:t>		 </a:t>
-            </a:r>
-            <a:endParaRPr lang="en-US" sz="1600" i="1" dirty="0">
-              <a:solidFill>
-                <a:srgbClr val="000000"/>
-              </a:solidFill>
-            </a:endParaRPr>
           </a:p>
         </p:txBody>
       </p:sp>
@@ -13366,7 +13456,7 @@
         <p:spPr>
           <a:xfrm>
             <a:off x="795130" y="861392"/>
-            <a:ext cx="10601739" cy="1938992"/>
+            <a:ext cx="10601739" cy="1631216"/>
           </a:xfrm>
           <a:prstGeom prst="rect">
             <a:avLst/>
@@ -13392,21 +13482,7 @@
             </a:r>
           </a:p>
           <a:p>
-            <a:endParaRPr lang="en-US" sz="2000" b="1" dirty="0"/>
-          </a:p>
-          <a:p>
-            <a:pPr marL="342900" indent="-342900">
-              <a:buFont typeface="Arial" panose="020B0604020202020204" pitchFamily="34" charset="0"/>
-              <a:buChar char="•"/>
-            </a:pPr>
-            <a:r>
-              <a:rPr lang="en-US" sz="2000" b="1" dirty="0"/>
-              <a:t>Azure Queue Storage Trigger</a:t>
-            </a:r>
-            <a:r>
-              <a:rPr lang="en-US" sz="2000" dirty="0"/>
-              <a:t>: In progress</a:t>
-            </a:r>
+            <a:endParaRPr lang="en-US" sz="2000" dirty="0"/>
           </a:p>
           <a:p>
             <a:pPr marL="342900" indent="-342900">
@@ -13763,7 +13839,7 @@
         <p:spPr>
           <a:xfrm>
             <a:off x="795130" y="861392"/>
-            <a:ext cx="10601739" cy="6617196"/>
+            <a:ext cx="10601739" cy="5201424"/>
           </a:xfrm>
           <a:prstGeom prst="rect">
             <a:avLst/>
@@ -13798,9 +13874,6 @@
             </a:r>
           </a:p>
           <a:p>
-            <a:endParaRPr lang="en-US" dirty="0"/>
-          </a:p>
-          <a:p>
             <a:r>
               <a:rPr lang="en-US" dirty="0"/>
               <a:t>  </a:t>
@@ -13809,7 +13882,7 @@
           <a:p>
             <a:r>
               <a:rPr lang="en-US" dirty="0"/>
-              <a:t>GitHub Repo Link:</a:t>
+              <a:t>               Links:</a:t>
             </a:r>
           </a:p>
           <a:p>
@@ -13886,24 +13959,6 @@
               <a:rPr lang="en-US" dirty="0"/>
               <a:t> </a:t>
             </a:r>
-          </a:p>
-          <a:p>
-            <a:endParaRPr lang="en-US" dirty="0"/>
-          </a:p>
-          <a:p>
-            <a:r>
-              <a:rPr lang="en-US" dirty="0"/>
-              <a:t> </a:t>
-            </a:r>
-          </a:p>
-          <a:p>
-            <a:pPr marL="514350" indent="-514350">
-              <a:buFont typeface="+mj-lt"/>
-              <a:buAutoNum type="romanLcPeriod"/>
-            </a:pPr>
-            <a:endParaRPr lang="en-US" sz="2000" b="1" dirty="0"/>
-          </a:p>
-          <a:p>
             <a:r>
               <a:rPr lang="en-US" sz="2000" b="1" dirty="0"/>
               <a:t>			</a:t>
@@ -13922,6 +13977,42 @@
           </a:p>
         </p:txBody>
       </p:sp>
+      <p:pic>
+        <p:nvPicPr>
+          <p:cNvPr id="3" name="Picture 2" descr="Icon&#10;&#10;Description automatically generated">
+            <a:extLst>
+              <a:ext uri="{FF2B5EF4-FFF2-40B4-BE49-F238E27FC236}">
+                <a16:creationId xmlns:a16="http://schemas.microsoft.com/office/drawing/2014/main" id="{133DBF27-3FD2-4692-B906-0A09FB3AC17A}"/>
+              </a:ext>
+            </a:extLst>
+          </p:cNvPr>
+          <p:cNvPicPr>
+            <a:picLocks noChangeAspect="1"/>
+          </p:cNvPicPr>
+          <p:nvPr/>
+        </p:nvPicPr>
+        <p:blipFill>
+          <a:blip r:embed="rId7">
+            <a:extLst>
+              <a:ext uri="{837473B0-CC2E-450A-ABE3-18F120FF3D39}">
+                <a1611:picAttrSrcUrl xmlns:a1611="http://schemas.microsoft.com/office/drawing/2016/11/main" r:id="rId8"/>
+              </a:ext>
+            </a:extLst>
+          </a:blip>
+          <a:stretch>
+            <a:fillRect/>
+          </a:stretch>
+        </p:blipFill>
+        <p:spPr>
+          <a:xfrm>
+            <a:off x="967408" y="1865781"/>
+            <a:ext cx="656051" cy="592496"/>
+          </a:xfrm>
+          <a:prstGeom prst="rect">
+            <a:avLst/>
+          </a:prstGeom>
+        </p:spPr>
+      </p:pic>
     </p:spTree>
     <p:extLst>
       <p:ext uri="{BB962C8B-B14F-4D97-AF65-F5344CB8AC3E}">
@@ -14799,24 +14890,6 @@
 </file>
 
 <file path=customXml/item1.xml><?xml version="1.0" encoding="utf-8"?>
-<?mso-contentType ?>
-<FormTemplates xmlns="http://schemas.microsoft.com/sharepoint/v3/contenttype/forms">
-  <Display>DocumentLibraryForm</Display>
-  <Edit>DocumentLibraryForm</Edit>
-  <New>DocumentLibraryForm</New>
-</FormTemplates>
-</file>
-
-<file path=customXml/item2.xml><?xml version="1.0" encoding="utf-8"?>
-<p:properties xmlns:p="http://schemas.microsoft.com/office/2006/metadata/properties" xmlns:xsi="http://www.w3.org/2001/XMLSchema-instance">
-  <documentManagement>
-    <Categories0 xmlns="4d6ad1ba-d08e-4b75-8db3-2812d04b0920">System Elements</Categories0>
-    <Buisness xmlns="4d6ad1ba-d08e-4b75-8db3-2812d04b0920">Corporate</Buisness>
-  </documentManagement>
-</p:properties>
-</file>
-
-<file path=customXml/item3.xml><?xml version="1.0" encoding="utf-8"?>
 <ct:contentTypeSchema xmlns:ct="http://schemas.microsoft.com/office/2006/metadata/contentType" xmlns:ma="http://schemas.microsoft.com/office/2006/metadata/properties/metaAttributes" ct:_="" ma:_="" ma:contentTypeName="Document" ma:contentTypeID="0x01010013DB49D88D31094DA120D26E4D4F3F0E" ma:contentTypeVersion="12" ma:contentTypeDescription="Create a new document." ma:contentTypeScope="" ma:versionID="177528042dfc9983a61241e73ce23cff">
   <xsd:schema xmlns:xsd="http://www.w3.org/2001/XMLSchema" xmlns:xs="http://www.w3.org/2001/XMLSchema" xmlns:p="http://schemas.microsoft.com/office/2006/metadata/properties" xmlns:ns3="4d6ad1ba-d08e-4b75-8db3-2812d04b0920" targetNamespace="http://schemas.microsoft.com/office/2006/metadata/properties" ma:root="true" ma:fieldsID="e7a484c8c8fa8045003fe2170f633c7a" ns3:_="">
     <xsd:import namespace="4d6ad1ba-d08e-4b75-8db3-2812d04b0920"/>
@@ -14962,10 +15035,38 @@
 </ct:contentTypeSchema>
 </file>
 
+<file path=customXml/item2.xml><?xml version="1.0" encoding="utf-8"?>
+<p:properties xmlns:p="http://schemas.microsoft.com/office/2006/metadata/properties" xmlns:xsi="http://www.w3.org/2001/XMLSchema-instance">
+  <documentManagement>
+    <Categories0 xmlns="4d6ad1ba-d08e-4b75-8db3-2812d04b0920">System Elements</Categories0>
+    <Buisness xmlns="4d6ad1ba-d08e-4b75-8db3-2812d04b0920">Corporate</Buisness>
+  </documentManagement>
+</p:properties>
+</file>
+
+<file path=customXml/item3.xml><?xml version="1.0" encoding="utf-8"?>
+<?mso-contentType ?>
+<FormTemplates xmlns="http://schemas.microsoft.com/sharepoint/v3/contenttype/forms">
+  <Display>DocumentLibraryForm</Display>
+  <Edit>DocumentLibraryForm</Edit>
+  <New>DocumentLibraryForm</New>
+</FormTemplates>
+</file>
+
 <file path=customXml/itemProps1.xml><?xml version="1.0" encoding="utf-8"?>
-<ds:datastoreItem xmlns:ds="http://schemas.openxmlformats.org/officeDocument/2006/customXml" ds:itemID="{E0A1B877-42DF-448B-A257-86EBCF04CE7C}">
+<ds:datastoreItem xmlns:ds="http://schemas.openxmlformats.org/officeDocument/2006/customXml" ds:itemID="{3B5A58A0-7396-4B7D-871B-A6C043C61FCB}">
   <ds:schemaRefs>
-    <ds:schemaRef ds:uri="http://schemas.microsoft.com/sharepoint/v3/contenttype/forms"/>
+    <ds:schemaRef ds:uri="http://schemas.microsoft.com/office/2006/metadata/contentType"/>
+    <ds:schemaRef ds:uri="http://schemas.microsoft.com/office/2006/metadata/properties/metaAttributes"/>
+    <ds:schemaRef ds:uri="http://www.w3.org/2001/XMLSchema"/>
+    <ds:schemaRef ds:uri="http://schemas.microsoft.com/office/2006/metadata/properties"/>
+    <ds:schemaRef ds:uri="4d6ad1ba-d08e-4b75-8db3-2812d04b0920"/>
+    <ds:schemaRef ds:uri="http://schemas.microsoft.com/office/2006/documentManagement/types"/>
+    <ds:schemaRef ds:uri="http://schemas.microsoft.com/office/infopath/2007/PartnerControls"/>
+    <ds:schemaRef ds:uri="http://schemas.openxmlformats.org/package/2006/metadata/core-properties"/>
+    <ds:schemaRef ds:uri="http://purl.org/dc/elements/1.1/"/>
+    <ds:schemaRef ds:uri="http://purl.org/dc/terms/"/>
+    <ds:schemaRef ds:uri="http://schemas.microsoft.com/internal/obd"/>
   </ds:schemaRefs>
 </ds:datastoreItem>
 </file>
@@ -14987,19 +15088,9 @@
 </file>
 
 <file path=customXml/itemProps3.xml><?xml version="1.0" encoding="utf-8"?>
-<ds:datastoreItem xmlns:ds="http://schemas.openxmlformats.org/officeDocument/2006/customXml" ds:itemID="{3B5A58A0-7396-4B7D-871B-A6C043C61FCB}">
+<ds:datastoreItem xmlns:ds="http://schemas.openxmlformats.org/officeDocument/2006/customXml" ds:itemID="{E0A1B877-42DF-448B-A257-86EBCF04CE7C}">
   <ds:schemaRefs>
-    <ds:schemaRef ds:uri="http://schemas.microsoft.com/office/2006/metadata/contentType"/>
-    <ds:schemaRef ds:uri="http://schemas.microsoft.com/office/2006/metadata/properties/metaAttributes"/>
-    <ds:schemaRef ds:uri="http://www.w3.org/2001/XMLSchema"/>
-    <ds:schemaRef ds:uri="http://schemas.microsoft.com/office/2006/metadata/properties"/>
-    <ds:schemaRef ds:uri="4d6ad1ba-d08e-4b75-8db3-2812d04b0920"/>
-    <ds:schemaRef ds:uri="http://schemas.microsoft.com/office/2006/documentManagement/types"/>
-    <ds:schemaRef ds:uri="http://schemas.microsoft.com/office/infopath/2007/PartnerControls"/>
-    <ds:schemaRef ds:uri="http://schemas.openxmlformats.org/package/2006/metadata/core-properties"/>
-    <ds:schemaRef ds:uri="http://purl.org/dc/elements/1.1/"/>
-    <ds:schemaRef ds:uri="http://purl.org/dc/terms/"/>
-    <ds:schemaRef ds:uri="http://schemas.microsoft.com/internal/obd"/>
+    <ds:schemaRef ds:uri="http://schemas.microsoft.com/sharepoint/v3/contenttype/forms"/>
   </ds:schemaRefs>
 </ds:datastoreItem>
 </file>